--- a/CRYPTOGRAPHY.pptx
+++ b/CRYPTOGRAPHY.pptx
@@ -12,28 +12,30 @@
     <p:sldId id="257" r:id="rId6"/>
     <p:sldId id="258" r:id="rId7"/>
     <p:sldId id="259" r:id="rId8"/>
+    <p:sldId id="260" r:id="rId9"/>
+    <p:sldId id="261" r:id="rId10"/>
   </p:sldIdLst>
   <p:sldSz cy="5143500" cx="9144000"/>
   <p:notesSz cx="6858000" cy="9144000"/>
   <p:embeddedFontLst>
     <p:embeddedFont>
       <p:font typeface="Raleway"/>
-      <p:regular r:id="rId9"/>
-      <p:bold r:id="rId10"/>
-      <p:italic r:id="rId11"/>
-      <p:boldItalic r:id="rId12"/>
+      <p:regular r:id="rId11"/>
+      <p:bold r:id="rId12"/>
+      <p:italic r:id="rId13"/>
+      <p:boldItalic r:id="rId14"/>
     </p:embeddedFont>
     <p:embeddedFont>
       <p:font typeface="Lato"/>
-      <p:regular r:id="rId13"/>
-      <p:bold r:id="rId14"/>
-      <p:italic r:id="rId15"/>
-      <p:boldItalic r:id="rId16"/>
+      <p:regular r:id="rId15"/>
+      <p:bold r:id="rId16"/>
+      <p:italic r:id="rId17"/>
+      <p:boldItalic r:id="rId18"/>
     </p:embeddedFont>
     <p:embeddedFont>
       <p:font typeface="Oswald"/>
-      <p:regular r:id="rId17"/>
-      <p:bold r:id="rId18"/>
+      <p:regular r:id="rId19"/>
+      <p:bold r:id="rId20"/>
     </p:embeddedFont>
   </p:embeddedFontLst>
   <p:defaultTextStyle>
@@ -636,7 +638,7 @@
   <p:cSld>
     <p:spTree>
       <p:nvGrpSpPr>
-        <p:cNvPr id="80" name="Shape 80"/>
+        <p:cNvPr id="83" name="Shape 83"/>
         <p:cNvGrpSpPr/>
         <p:nvPr/>
       </p:nvGrpSpPr>
@@ -650,7 +652,7 @@
       </p:grpSpPr>
       <p:sp>
         <p:nvSpPr>
-          <p:cNvPr id="81" name="Shape 81"/>
+          <p:cNvPr id="84" name="Shape 84"/>
           <p:cNvSpPr/>
           <p:nvPr>
             <p:ph idx="2" type="sldImg"/>
@@ -684,7 +686,7 @@
       </p:sp>
       <p:sp>
         <p:nvSpPr>
-          <p:cNvPr id="82" name="Shape 82"/>
+          <p:cNvPr id="85" name="Shape 85"/>
           <p:cNvSpPr txBox="1"/>
           <p:nvPr>
             <p:ph idx="1" type="body"/>
@@ -734,7 +736,7 @@
   <p:cSld>
     <p:spTree>
       <p:nvGrpSpPr>
-        <p:cNvPr id="86" name="Shape 86"/>
+        <p:cNvPr id="88" name="Shape 88"/>
         <p:cNvGrpSpPr/>
         <p:nvPr/>
       </p:nvGrpSpPr>
@@ -748,7 +750,7 @@
       </p:grpSpPr>
       <p:sp>
         <p:nvSpPr>
-          <p:cNvPr id="87" name="Shape 87"/>
+          <p:cNvPr id="89" name="Shape 89"/>
           <p:cNvSpPr/>
           <p:nvPr>
             <p:ph idx="2" type="sldImg"/>
@@ -782,7 +784,203 @@
       </p:sp>
       <p:sp>
         <p:nvSpPr>
-          <p:cNvPr id="88" name="Shape 88"/>
+          <p:cNvPr id="90" name="Shape 90"/>
+          <p:cNvSpPr txBox="1"/>
+          <p:nvPr>
+            <p:ph idx="1" type="body"/>
+          </p:nvPr>
+        </p:nvSpPr>
+        <p:spPr>
+          <a:xfrm>
+            <a:off x="685800" y="4343400"/>
+            <a:ext cx="5486400" cy="4114800"/>
+          </a:xfrm>
+          <a:prstGeom prst="rect">
+            <a:avLst/>
+          </a:prstGeom>
+        </p:spPr>
+        <p:txBody>
+          <a:bodyPr anchorCtr="0" anchor="t" bIns="91425" lIns="91425" rIns="91425" wrap="square" tIns="91425">
+            <a:noAutofit/>
+          </a:bodyPr>
+          <a:lstStyle/>
+          <a:p>
+            <a:pPr indent="0" lvl="0" marL="0">
+              <a:spcBef>
+                <a:spcPts val="0"/>
+              </a:spcBef>
+              <a:spcAft>
+                <a:spcPts val="0"/>
+              </a:spcAft>
+              <a:buNone/>
+            </a:pPr>
+            <a:r>
+              <a:t/>
+            </a:r>
+            <a:endParaRPr/>
+          </a:p>
+        </p:txBody>
+      </p:sp>
+    </p:spTree>
+  </p:cSld>
+  <p:clrMapOvr>
+    <a:masterClrMapping/>
+  </p:clrMapOvr>
+</p:notes>
+</file>
+
+<file path=ppt/notesSlides/notesSlide5.xml><?xml version="1.0" encoding="utf-8"?>
+<p:notes xmlns:a="http://schemas.openxmlformats.org/drawingml/2006/main" xmlns:r="http://schemas.openxmlformats.org/officeDocument/2006/relationships" xmlns:mc="http://schemas.openxmlformats.org/markup-compatibility/2006" xmlns:mv="urn:schemas-microsoft-com:mac:vml" xmlns:p="http://schemas.openxmlformats.org/presentationml/2006/main" xmlns:c="http://schemas.openxmlformats.org/drawingml/2006/chart" xmlns:dgm="http://schemas.openxmlformats.org/drawingml/2006/diagram" xmlns:o="urn:schemas-microsoft-com:office:office" xmlns:v="urn:schemas-microsoft-com:vml" xmlns:pvml="urn:schemas-microsoft-com:office:powerpoint" xmlns:com="http://schemas.openxmlformats.org/drawingml/2006/compatibility" xmlns:p14="http://schemas.microsoft.com/office/powerpoint/2010/main" xmlns:p15="http://schemas.microsoft.com/office/powerpoint/2012/main" showMasterPhAnim="0" showMasterSp="0">
+  <p:cSld>
+    <p:spTree>
+      <p:nvGrpSpPr>
+        <p:cNvPr id="96" name="Shape 96"/>
+        <p:cNvGrpSpPr/>
+        <p:nvPr/>
+      </p:nvGrpSpPr>
+      <p:grpSpPr>
+        <a:xfrm>
+          <a:off x="0" y="0"/>
+          <a:ext cx="0" cy="0"/>
+          <a:chOff x="0" y="0"/>
+          <a:chExt cx="0" cy="0"/>
+        </a:xfrm>
+      </p:grpSpPr>
+      <p:sp>
+        <p:nvSpPr>
+          <p:cNvPr id="97" name="Shape 97"/>
+          <p:cNvSpPr/>
+          <p:nvPr>
+            <p:ph idx="2" type="sldImg"/>
+          </p:nvPr>
+        </p:nvSpPr>
+        <p:spPr>
+          <a:xfrm>
+            <a:off x="381300" y="685800"/>
+            <a:ext cx="6096000" cy="3429000"/>
+          </a:xfrm>
+          <a:custGeom>
+            <a:pathLst>
+              <a:path extrusionOk="0" h="120000" w="120000">
+                <a:moveTo>
+                  <a:pt x="0" y="0"/>
+                </a:moveTo>
+                <a:lnTo>
+                  <a:pt x="120000" y="0"/>
+                </a:lnTo>
+                <a:lnTo>
+                  <a:pt x="120000" y="120000"/>
+                </a:lnTo>
+                <a:lnTo>
+                  <a:pt x="0" y="120000"/>
+                </a:lnTo>
+                <a:close/>
+              </a:path>
+            </a:pathLst>
+          </a:custGeom>
+        </p:spPr>
+      </p:sp>
+      <p:sp>
+        <p:nvSpPr>
+          <p:cNvPr id="98" name="Shape 98"/>
+          <p:cNvSpPr txBox="1"/>
+          <p:nvPr>
+            <p:ph idx="1" type="body"/>
+          </p:nvPr>
+        </p:nvSpPr>
+        <p:spPr>
+          <a:xfrm>
+            <a:off x="685800" y="4343400"/>
+            <a:ext cx="5486400" cy="4114800"/>
+          </a:xfrm>
+          <a:prstGeom prst="rect">
+            <a:avLst/>
+          </a:prstGeom>
+        </p:spPr>
+        <p:txBody>
+          <a:bodyPr anchorCtr="0" anchor="t" bIns="91425" lIns="91425" rIns="91425" wrap="square" tIns="91425">
+            <a:noAutofit/>
+          </a:bodyPr>
+          <a:lstStyle/>
+          <a:p>
+            <a:pPr indent="0" lvl="0" marL="0">
+              <a:spcBef>
+                <a:spcPts val="0"/>
+              </a:spcBef>
+              <a:spcAft>
+                <a:spcPts val="0"/>
+              </a:spcAft>
+              <a:buNone/>
+            </a:pPr>
+            <a:r>
+              <a:t/>
+            </a:r>
+            <a:endParaRPr/>
+          </a:p>
+        </p:txBody>
+      </p:sp>
+    </p:spTree>
+  </p:cSld>
+  <p:clrMapOvr>
+    <a:masterClrMapping/>
+  </p:clrMapOvr>
+</p:notes>
+</file>
+
+<file path=ppt/notesSlides/notesSlide6.xml><?xml version="1.0" encoding="utf-8"?>
+<p:notes xmlns:a="http://schemas.openxmlformats.org/drawingml/2006/main" xmlns:r="http://schemas.openxmlformats.org/officeDocument/2006/relationships" xmlns:mc="http://schemas.openxmlformats.org/markup-compatibility/2006" xmlns:mv="urn:schemas-microsoft-com:mac:vml" xmlns:p="http://schemas.openxmlformats.org/presentationml/2006/main" xmlns:c="http://schemas.openxmlformats.org/drawingml/2006/chart" xmlns:dgm="http://schemas.openxmlformats.org/drawingml/2006/diagram" xmlns:o="urn:schemas-microsoft-com:office:office" xmlns:v="urn:schemas-microsoft-com:vml" xmlns:pvml="urn:schemas-microsoft-com:office:powerpoint" xmlns:com="http://schemas.openxmlformats.org/drawingml/2006/compatibility" xmlns:p14="http://schemas.microsoft.com/office/powerpoint/2010/main" xmlns:p15="http://schemas.microsoft.com/office/powerpoint/2012/main" showMasterPhAnim="0" showMasterSp="0">
+  <p:cSld>
+    <p:spTree>
+      <p:nvGrpSpPr>
+        <p:cNvPr id="109" name="Shape 109"/>
+        <p:cNvGrpSpPr/>
+        <p:nvPr/>
+      </p:nvGrpSpPr>
+      <p:grpSpPr>
+        <a:xfrm>
+          <a:off x="0" y="0"/>
+          <a:ext cx="0" cy="0"/>
+          <a:chOff x="0" y="0"/>
+          <a:chExt cx="0" cy="0"/>
+        </a:xfrm>
+      </p:grpSpPr>
+      <p:sp>
+        <p:nvSpPr>
+          <p:cNvPr id="110" name="Shape 110"/>
+          <p:cNvSpPr/>
+          <p:nvPr>
+            <p:ph idx="2" type="sldImg"/>
+          </p:nvPr>
+        </p:nvSpPr>
+        <p:spPr>
+          <a:xfrm>
+            <a:off x="381300" y="685800"/>
+            <a:ext cx="6096000" cy="3429000"/>
+          </a:xfrm>
+          <a:custGeom>
+            <a:pathLst>
+              <a:path extrusionOk="0" h="120000" w="120000">
+                <a:moveTo>
+                  <a:pt x="0" y="0"/>
+                </a:moveTo>
+                <a:lnTo>
+                  <a:pt x="120000" y="0"/>
+                </a:lnTo>
+                <a:lnTo>
+                  <a:pt x="120000" y="120000"/>
+                </a:lnTo>
+                <a:lnTo>
+                  <a:pt x="0" y="120000"/>
+                </a:lnTo>
+                <a:close/>
+              </a:path>
+            </a:pathLst>
+          </a:custGeom>
+        </p:spPr>
+      </p:sp>
+      <p:sp>
+        <p:nvSpPr>
+          <p:cNvPr id="111" name="Shape 111"/>
           <p:cNvSpPr txBox="1"/>
           <p:nvPr>
             <p:ph idx="1" type="body"/>
@@ -5963,13 +6161,13 @@
           <p:cNvPr id="78" name="Shape 78"/>
           <p:cNvSpPr txBox="1"/>
           <p:nvPr>
-            <p:ph type="title"/>
+            <p:ph type="ctrTitle"/>
           </p:nvPr>
         </p:nvSpPr>
         <p:spPr>
           <a:xfrm>
-            <a:off x="2400250" y="575950"/>
-            <a:ext cx="6321600" cy="635400"/>
+            <a:off x="2371725" y="630225"/>
+            <a:ext cx="3933000" cy="2710800"/>
           </a:xfrm>
           <a:prstGeom prst="rect">
             <a:avLst/>
@@ -5992,132 +6190,148 @@
             </a:pPr>
             <a:r>
               <a:rPr lang="en"/>
-              <a:t>Encryption and Decryption</a:t>
+              <a:t>Parallel </a:t>
+            </a:r>
+            <a:endParaRPr/>
+          </a:p>
+          <a:p>
+            <a:pPr indent="0" lvl="0" marL="0">
+              <a:spcBef>
+                <a:spcPts val="0"/>
+              </a:spcBef>
+              <a:spcAft>
+                <a:spcPts val="0"/>
+              </a:spcAft>
+              <a:buNone/>
+            </a:pPr>
+            <a:r>
+              <a:rPr lang="en"/>
+              <a:t>Design </a:t>
+            </a:r>
+            <a:endParaRPr/>
+          </a:p>
+          <a:p>
+            <a:pPr indent="0" lvl="0" marL="0">
+              <a:spcBef>
+                <a:spcPts val="0"/>
+              </a:spcBef>
+              <a:spcAft>
+                <a:spcPts val="0"/>
+              </a:spcAft>
+              <a:buNone/>
+            </a:pPr>
+            <a:r>
+              <a:rPr lang="en"/>
+              <a:t>Process.</a:t>
             </a:r>
             <a:endParaRPr/>
           </a:p>
         </p:txBody>
       </p:sp>
-      <p:sp>
-        <p:nvSpPr>
+      <p:cxnSp>
+        <p:nvCxnSpPr>
           <p:cNvPr id="79" name="Shape 79"/>
-          <p:cNvSpPr txBox="1"/>
-          <p:nvPr>
-            <p:ph idx="1" type="body"/>
-          </p:nvPr>
-        </p:nvSpPr>
-        <p:spPr>
-          <a:xfrm>
-            <a:off x="2410112" y="1595776"/>
-            <a:ext cx="6321600" cy="3002400"/>
-          </a:xfrm>
-          <a:prstGeom prst="rect">
+          <p:cNvCxnSpPr/>
+          <p:nvPr/>
+        </p:nvCxnSpPr>
+        <p:spPr>
+          <a:xfrm flipH="1" rot="10800000">
+            <a:off x="3401950" y="2393000"/>
+            <a:ext cx="5255400" cy="1140900"/>
+          </a:xfrm>
+          <a:prstGeom prst="straightConnector1">
             <a:avLst/>
           </a:prstGeom>
-        </p:spPr>
-        <p:txBody>
-          <a:bodyPr anchorCtr="0" anchor="t" bIns="91425" lIns="91425" rIns="91425" wrap="square" tIns="91425">
-            <a:noAutofit/>
-          </a:bodyPr>
-          <a:lstStyle/>
-          <a:p>
-            <a:pPr indent="-342900" lvl="0" marL="457200" rtl="0">
-              <a:spcBef>
-                <a:spcPts val="0"/>
-              </a:spcBef>
-              <a:spcAft>
-                <a:spcPts val="0"/>
-              </a:spcAft>
-              <a:buSzPts val="1800"/>
-              <a:buChar char="●"/>
-            </a:pPr>
-            <a:r>
-              <a:rPr lang="en"/>
-              <a:t>Simple Step</a:t>
-            </a:r>
-            <a:endParaRPr/>
-          </a:p>
-          <a:p>
-            <a:pPr indent="0" lvl="0" marL="0" rtl="0">
-              <a:spcBef>
-                <a:spcPts val="1600"/>
-              </a:spcBef>
-              <a:spcAft>
-                <a:spcPts val="0"/>
-              </a:spcAft>
-              <a:buNone/>
-            </a:pPr>
-            <a:r>
-              <a:t/>
-            </a:r>
-            <a:endParaRPr/>
-          </a:p>
-          <a:p>
-            <a:pPr indent="-342900" lvl="0" marL="457200" rtl="0">
-              <a:spcBef>
-                <a:spcPts val="1600"/>
-              </a:spcBef>
-              <a:spcAft>
-                <a:spcPts val="0"/>
-              </a:spcAft>
-              <a:buSzPts val="1800"/>
-              <a:buChar char="●"/>
-            </a:pPr>
-            <a:r>
-              <a:rPr lang="en"/>
-              <a:t>Block Step </a:t>
-            </a:r>
-            <a:endParaRPr/>
-          </a:p>
-          <a:p>
-            <a:pPr indent="0" lvl="0" marL="0">
-              <a:spcBef>
-                <a:spcPts val="1600"/>
-              </a:spcBef>
-              <a:spcAft>
-                <a:spcPts val="0"/>
-              </a:spcAft>
-              <a:buNone/>
-            </a:pPr>
-            <a:r>
-              <a:t/>
-            </a:r>
-            <a:endParaRPr/>
-          </a:p>
-          <a:p>
-            <a:pPr indent="-342900" lvl="0" marL="457200">
-              <a:spcBef>
-                <a:spcPts val="1600"/>
-              </a:spcBef>
-              <a:spcAft>
-                <a:spcPts val="0"/>
-              </a:spcAft>
-              <a:buSzPts val="1800"/>
-              <a:buChar char="●"/>
-            </a:pPr>
-            <a:r>
-              <a:rPr lang="en"/>
-              <a:t>Permutation</a:t>
-            </a:r>
-            <a:endParaRPr/>
-          </a:p>
-          <a:p>
-            <a:pPr indent="0" lvl="0" marL="0">
-              <a:spcBef>
-                <a:spcPts val="1600"/>
-              </a:spcBef>
-              <a:spcAft>
-                <a:spcPts val="1600"/>
-              </a:spcAft>
-              <a:buNone/>
-            </a:pPr>
-            <a:r>
-              <a:t/>
-            </a:r>
-            <a:endParaRPr/>
-          </a:p>
-        </p:txBody>
-      </p:sp>
+          <a:noFill/>
+          <a:ln cap="flat" cmpd="sng" w="38100">
+            <a:solidFill>
+              <a:srgbClr val="FFFFFF"/>
+            </a:solidFill>
+            <a:prstDash val="solid"/>
+            <a:round/>
+            <a:headEnd len="lg" w="lg" type="oval"/>
+            <a:tailEnd len="lg" w="lg" type="triangle"/>
+          </a:ln>
+        </p:spPr>
+      </p:cxnSp>
+      <p:cxnSp>
+        <p:nvCxnSpPr>
+          <p:cNvPr id="80" name="Shape 80"/>
+          <p:cNvCxnSpPr/>
+          <p:nvPr/>
+        </p:nvCxnSpPr>
+        <p:spPr>
+          <a:xfrm flipH="1" rot="10800000">
+            <a:off x="3391750" y="2627525"/>
+            <a:ext cx="5245500" cy="1161000"/>
+          </a:xfrm>
+          <a:prstGeom prst="straightConnector1">
+            <a:avLst/>
+          </a:prstGeom>
+          <a:noFill/>
+          <a:ln cap="flat" cmpd="sng" w="38100">
+            <a:solidFill>
+              <a:srgbClr val="FFFFFF"/>
+            </a:solidFill>
+            <a:prstDash val="solid"/>
+            <a:round/>
+            <a:headEnd len="lg" w="lg" type="oval"/>
+            <a:tailEnd len="lg" w="lg" type="triangle"/>
+          </a:ln>
+        </p:spPr>
+      </p:cxnSp>
+      <p:cxnSp>
+        <p:nvCxnSpPr>
+          <p:cNvPr id="81" name="Shape 81"/>
+          <p:cNvCxnSpPr/>
+          <p:nvPr/>
+        </p:nvCxnSpPr>
+        <p:spPr>
+          <a:xfrm flipH="1" rot="10800000">
+            <a:off x="3381575" y="2882075"/>
+            <a:ext cx="5214900" cy="1201800"/>
+          </a:xfrm>
+          <a:prstGeom prst="straightConnector1">
+            <a:avLst/>
+          </a:prstGeom>
+          <a:noFill/>
+          <a:ln cap="flat" cmpd="sng" w="38100">
+            <a:solidFill>
+              <a:srgbClr val="FFFFFF"/>
+            </a:solidFill>
+            <a:prstDash val="solid"/>
+            <a:round/>
+            <a:headEnd len="lg" w="lg" type="oval"/>
+            <a:tailEnd len="lg" w="lg" type="triangle"/>
+          </a:ln>
+        </p:spPr>
+      </p:cxnSp>
+      <p:cxnSp>
+        <p:nvCxnSpPr>
+          <p:cNvPr id="82" name="Shape 82"/>
+          <p:cNvCxnSpPr/>
+          <p:nvPr/>
+        </p:nvCxnSpPr>
+        <p:spPr>
+          <a:xfrm flipH="1" rot="10800000">
+            <a:off x="3356375" y="3116925"/>
+            <a:ext cx="5260500" cy="1221600"/>
+          </a:xfrm>
+          <a:prstGeom prst="straightConnector1">
+            <a:avLst/>
+          </a:prstGeom>
+          <a:noFill/>
+          <a:ln cap="flat" cmpd="sng" w="38100">
+            <a:solidFill>
+              <a:srgbClr val="FFFFFF"/>
+            </a:solidFill>
+            <a:prstDash val="solid"/>
+            <a:round/>
+            <a:headEnd len="lg" w="lg" type="oval"/>
+            <a:tailEnd len="lg" w="lg" type="triangle"/>
+          </a:ln>
+        </p:spPr>
+      </p:cxnSp>
     </p:spTree>
   </p:cSld>
   <p:clrMapOvr>
@@ -6131,7 +6345,60 @@
   <p:cSld>
     <p:spTree>
       <p:nvGrpSpPr>
-        <p:cNvPr id="83" name="Shape 83"/>
+        <p:cNvPr id="86" name="Shape 86"/>
+        <p:cNvGrpSpPr/>
+        <p:nvPr/>
+      </p:nvGrpSpPr>
+      <p:grpSpPr>
+        <a:xfrm>
+          <a:off x="0" y="0"/>
+          <a:ext cx="0" cy="0"/>
+          <a:chOff x="0" y="0"/>
+          <a:chExt cx="0" cy="0"/>
+        </a:xfrm>
+      </p:grpSpPr>
+      <p:pic>
+        <p:nvPicPr>
+          <p:cNvPr id="87" name="Shape 87"/>
+          <p:cNvPicPr preferRelativeResize="0"/>
+          <p:nvPr/>
+        </p:nvPicPr>
+        <p:blipFill>
+          <a:blip r:embed="rId3">
+            <a:alphaModFix/>
+          </a:blip>
+          <a:stretch>
+            <a:fillRect/>
+          </a:stretch>
+        </p:blipFill>
+        <p:spPr>
+          <a:xfrm>
+            <a:off x="1425575" y="1920750"/>
+            <a:ext cx="6048375" cy="1200150"/>
+          </a:xfrm>
+          <a:prstGeom prst="rect">
+            <a:avLst/>
+          </a:prstGeom>
+          <a:noFill/>
+          <a:ln>
+            <a:noFill/>
+          </a:ln>
+        </p:spPr>
+      </p:pic>
+    </p:spTree>
+  </p:cSld>
+  <p:clrMapOvr>
+    <a:masterClrMapping/>
+  </p:clrMapOvr>
+</p:sld>
+</file>
+
+<file path=ppt/slides/slide4.xml><?xml version="1.0" encoding="utf-8"?>
+<p:sld xmlns:a="http://schemas.openxmlformats.org/drawingml/2006/main" xmlns:r="http://schemas.openxmlformats.org/officeDocument/2006/relationships" xmlns:mc="http://schemas.openxmlformats.org/markup-compatibility/2006" xmlns:mv="urn:schemas-microsoft-com:mac:vml" xmlns:p="http://schemas.openxmlformats.org/presentationml/2006/main" xmlns:c="http://schemas.openxmlformats.org/drawingml/2006/chart" xmlns:dgm="http://schemas.openxmlformats.org/drawingml/2006/diagram" xmlns:o="urn:schemas-microsoft-com:office:office" xmlns:v="urn:schemas-microsoft-com:vml" xmlns:pvml="urn:schemas-microsoft-com:office:powerpoint" xmlns:com="http://schemas.openxmlformats.org/drawingml/2006/compatibility" xmlns:p14="http://schemas.microsoft.com/office/powerpoint/2010/main" xmlns:p15="http://schemas.microsoft.com/office/powerpoint/2012/main">
+  <p:cSld>
+    <p:spTree>
+      <p:nvGrpSpPr>
+        <p:cNvPr id="91" name="Shape 91"/>
         <p:cNvGrpSpPr/>
         <p:nvPr/>
       </p:nvGrpSpPr>
@@ -6145,7 +6412,7 @@
       </p:grpSpPr>
       <p:sp>
         <p:nvSpPr>
-          <p:cNvPr id="84" name="Shape 84"/>
+          <p:cNvPr id="92" name="Shape 92"/>
           <p:cNvSpPr txBox="1"/>
           <p:nvPr>
             <p:ph type="title"/>
@@ -6177,7 +6444,7 @@
             </a:pPr>
             <a:r>
               <a:rPr lang="en"/>
-              <a:t>Training</a:t>
+              <a:t>Encryption and Decryption</a:t>
             </a:r>
             <a:endParaRPr/>
           </a:p>
@@ -6185,7 +6452,7 @@
       </p:sp>
       <p:sp>
         <p:nvSpPr>
-          <p:cNvPr id="85" name="Shape 85"/>
+          <p:cNvPr id="93" name="Shape 93"/>
           <p:cNvSpPr txBox="1"/>
           <p:nvPr>
             <p:ph idx="1" type="body"/>
@@ -6218,9 +6485,49 @@
             </a:pPr>
             <a:r>
               <a:rPr lang="en"/>
-              <a:t>Counting</a:t>
+              <a:t>Simple Step - </a:t>
+            </a:r>
+            <a:r>
+              <a:rPr i="1" lang="en"/>
+              <a:t>O(n)</a:t>
+            </a:r>
+            <a:endParaRPr i="1"/>
+          </a:p>
+          <a:p>
+            <a:pPr indent="0" lvl="0" marL="0" rtl="0">
+              <a:spcBef>
+                <a:spcPts val="1600"/>
+              </a:spcBef>
+              <a:spcAft>
+                <a:spcPts val="0"/>
+              </a:spcAft>
+              <a:buNone/>
+            </a:pPr>
+            <a:r>
+              <a:t/>
             </a:r>
             <a:endParaRPr/>
+          </a:p>
+          <a:p>
+            <a:pPr indent="-342900" lvl="0" marL="457200" rtl="0">
+              <a:spcBef>
+                <a:spcPts val="1600"/>
+              </a:spcBef>
+              <a:spcAft>
+                <a:spcPts val="0"/>
+              </a:spcAft>
+              <a:buSzPts val="1800"/>
+              <a:buChar char="●"/>
+            </a:pPr>
+            <a:r>
+              <a:rPr lang="en"/>
+              <a:t>Block Step - </a:t>
+            </a:r>
+            <a:r>
+              <a:rPr i="1" lang="en"/>
+              <a:t>O(n)</a:t>
+            </a:r>
+            <a:endParaRPr i="1"/>
           </a:p>
           <a:p>
             <a:pPr indent="0" lvl="0" marL="0">
@@ -6250,9 +6557,13 @@
             </a:pPr>
             <a:r>
               <a:rPr lang="en"/>
-              <a:t>Modelling </a:t>
+              <a:t>Permutation - </a:t>
             </a:r>
-            <a:endParaRPr/>
+            <a:r>
+              <a:rPr i="1" lang="en"/>
+              <a:t>O(n)</a:t>
+            </a:r>
+            <a:endParaRPr i="1"/>
           </a:p>
           <a:p>
             <a:pPr indent="0" lvl="0" marL="0">
@@ -6271,6 +6582,62 @@
           </a:p>
         </p:txBody>
       </p:sp>
+      <p:pic>
+        <p:nvPicPr>
+          <p:cNvPr id="94" name="Shape 94"/>
+          <p:cNvPicPr preferRelativeResize="0"/>
+          <p:nvPr/>
+        </p:nvPicPr>
+        <p:blipFill>
+          <a:blip r:embed="rId3">
+            <a:alphaModFix/>
+          </a:blip>
+          <a:stretch>
+            <a:fillRect/>
+          </a:stretch>
+        </p:blipFill>
+        <p:spPr>
+          <a:xfrm>
+            <a:off x="5196525" y="1396200"/>
+            <a:ext cx="3023000" cy="1837675"/>
+          </a:xfrm>
+          <a:prstGeom prst="rect">
+            <a:avLst/>
+          </a:prstGeom>
+          <a:noFill/>
+          <a:ln>
+            <a:noFill/>
+          </a:ln>
+        </p:spPr>
+      </p:pic>
+      <p:pic>
+        <p:nvPicPr>
+          <p:cNvPr id="95" name="Shape 95"/>
+          <p:cNvPicPr preferRelativeResize="0"/>
+          <p:nvPr/>
+        </p:nvPicPr>
+        <p:blipFill>
+          <a:blip r:embed="rId4">
+            <a:alphaModFix/>
+          </a:blip>
+          <a:stretch>
+            <a:fillRect/>
+          </a:stretch>
+        </p:blipFill>
+        <p:spPr>
+          <a:xfrm>
+            <a:off x="5196525" y="3377974"/>
+            <a:ext cx="3022999" cy="832751"/>
+          </a:xfrm>
+          <a:prstGeom prst="rect">
+            <a:avLst/>
+          </a:prstGeom>
+          <a:noFill/>
+          <a:ln>
+            <a:noFill/>
+          </a:ln>
+        </p:spPr>
+      </p:pic>
     </p:spTree>
   </p:cSld>
   <p:clrMapOvr>
@@ -6279,12 +6646,12 @@
 </p:sld>
 </file>
 
-<file path=ppt/slides/slide4.xml><?xml version="1.0" encoding="utf-8"?>
+<file path=ppt/slides/slide5.xml><?xml version="1.0" encoding="utf-8"?>
 <p:sld xmlns:a="http://schemas.openxmlformats.org/drawingml/2006/main" xmlns:r="http://schemas.openxmlformats.org/officeDocument/2006/relationships" xmlns:mc="http://schemas.openxmlformats.org/markup-compatibility/2006" xmlns:mv="urn:schemas-microsoft-com:mac:vml" xmlns:p="http://schemas.openxmlformats.org/presentationml/2006/main" xmlns:c="http://schemas.openxmlformats.org/drawingml/2006/chart" xmlns:dgm="http://schemas.openxmlformats.org/drawingml/2006/diagram" xmlns:o="urn:schemas-microsoft-com:office:office" xmlns:v="urn:schemas-microsoft-com:vml" xmlns:pvml="urn:schemas-microsoft-com:office:powerpoint" xmlns:com="http://schemas.openxmlformats.org/drawingml/2006/compatibility" xmlns:p14="http://schemas.microsoft.com/office/powerpoint/2010/main" xmlns:p15="http://schemas.microsoft.com/office/powerpoint/2012/main">
   <p:cSld>
     <p:spTree>
       <p:nvGrpSpPr>
-        <p:cNvPr id="89" name="Shape 89"/>
+        <p:cNvPr id="99" name="Shape 99"/>
         <p:cNvGrpSpPr/>
         <p:nvPr/>
       </p:nvGrpSpPr>
@@ -6298,7 +6665,330 @@
       </p:grpSpPr>
       <p:sp>
         <p:nvSpPr>
-          <p:cNvPr id="90" name="Shape 90"/>
+          <p:cNvPr id="100" name="Shape 100"/>
+          <p:cNvSpPr txBox="1"/>
+          <p:nvPr>
+            <p:ph type="title"/>
+          </p:nvPr>
+        </p:nvSpPr>
+        <p:spPr>
+          <a:xfrm>
+            <a:off x="2400250" y="575950"/>
+            <a:ext cx="6321600" cy="635400"/>
+          </a:xfrm>
+          <a:prstGeom prst="rect">
+            <a:avLst/>
+          </a:prstGeom>
+        </p:spPr>
+        <p:txBody>
+          <a:bodyPr anchorCtr="0" anchor="t" bIns="91425" lIns="91425" rIns="91425" wrap="square" tIns="91425">
+            <a:noAutofit/>
+          </a:bodyPr>
+          <a:lstStyle/>
+          <a:p>
+            <a:pPr indent="0" lvl="0" marL="0">
+              <a:spcBef>
+                <a:spcPts val="0"/>
+              </a:spcBef>
+              <a:spcAft>
+                <a:spcPts val="0"/>
+              </a:spcAft>
+              <a:buNone/>
+            </a:pPr>
+            <a:r>
+              <a:rPr lang="en"/>
+              <a:t>Training</a:t>
+            </a:r>
+            <a:endParaRPr/>
+          </a:p>
+        </p:txBody>
+      </p:sp>
+      <p:sp>
+        <p:nvSpPr>
+          <p:cNvPr id="101" name="Shape 101"/>
+          <p:cNvSpPr txBox="1"/>
+          <p:nvPr>
+            <p:ph idx="1" type="body"/>
+          </p:nvPr>
+        </p:nvSpPr>
+        <p:spPr>
+          <a:xfrm>
+            <a:off x="2410112" y="1595776"/>
+            <a:ext cx="6321600" cy="3002400"/>
+          </a:xfrm>
+          <a:prstGeom prst="rect">
+            <a:avLst/>
+          </a:prstGeom>
+        </p:spPr>
+        <p:txBody>
+          <a:bodyPr anchorCtr="0" anchor="t" bIns="91425" lIns="91425" rIns="91425" wrap="square" tIns="91425">
+            <a:noAutofit/>
+          </a:bodyPr>
+          <a:lstStyle/>
+          <a:p>
+            <a:pPr indent="-342900" lvl="0" marL="457200" rtl="0">
+              <a:spcBef>
+                <a:spcPts val="0"/>
+              </a:spcBef>
+              <a:spcAft>
+                <a:spcPts val="0"/>
+              </a:spcAft>
+              <a:buSzPts val="1800"/>
+              <a:buChar char="●"/>
+            </a:pPr>
+            <a:r>
+              <a:rPr lang="en"/>
+              <a:t>Counting</a:t>
+            </a:r>
+            <a:endParaRPr/>
+          </a:p>
+          <a:p>
+            <a:pPr indent="0" lvl="0" marL="0">
+              <a:spcBef>
+                <a:spcPts val="1600"/>
+              </a:spcBef>
+              <a:spcAft>
+                <a:spcPts val="0"/>
+              </a:spcAft>
+              <a:buNone/>
+            </a:pPr>
+            <a:r>
+              <a:t/>
+            </a:r>
+            <a:endParaRPr/>
+          </a:p>
+          <a:p>
+            <a:pPr indent="-342900" lvl="0" marL="457200">
+              <a:spcBef>
+                <a:spcPts val="1600"/>
+              </a:spcBef>
+              <a:spcAft>
+                <a:spcPts val="0"/>
+              </a:spcAft>
+              <a:buSzPts val="1800"/>
+              <a:buChar char="●"/>
+            </a:pPr>
+            <a:r>
+              <a:rPr lang="en"/>
+              <a:t>Modelling </a:t>
+            </a:r>
+            <a:endParaRPr/>
+          </a:p>
+          <a:p>
+            <a:pPr indent="0" lvl="0" marL="0">
+              <a:spcBef>
+                <a:spcPts val="1600"/>
+              </a:spcBef>
+              <a:spcAft>
+                <a:spcPts val="1600"/>
+              </a:spcAft>
+              <a:buNone/>
+            </a:pPr>
+            <a:r>
+              <a:t/>
+            </a:r>
+            <a:endParaRPr/>
+          </a:p>
+        </p:txBody>
+      </p:sp>
+      <p:grpSp>
+        <p:nvGrpSpPr>
+          <p:cNvPr id="102" name="Shape 102"/>
+          <p:cNvGrpSpPr/>
+          <p:nvPr/>
+        </p:nvGrpSpPr>
+        <p:grpSpPr>
+          <a:xfrm>
+            <a:off x="4427674" y="2669834"/>
+            <a:ext cx="4304024" cy="1680691"/>
+            <a:chOff x="4427674" y="826334"/>
+            <a:chExt cx="4304024" cy="1680691"/>
+          </a:xfrm>
+        </p:grpSpPr>
+        <p:pic>
+          <p:nvPicPr>
+            <p:cNvPr id="103" name="Shape 103"/>
+            <p:cNvPicPr preferRelativeResize="0"/>
+            <p:nvPr/>
+          </p:nvPicPr>
+          <p:blipFill>
+            <a:blip r:embed="rId3">
+              <a:alphaModFix/>
+            </a:blip>
+            <a:stretch>
+              <a:fillRect/>
+            </a:stretch>
+          </p:blipFill>
+          <p:spPr>
+            <a:xfrm>
+              <a:off x="4812250" y="826334"/>
+              <a:ext cx="3534875" cy="474075"/>
+            </a:xfrm>
+            <a:prstGeom prst="rect">
+              <a:avLst/>
+            </a:prstGeom>
+            <a:noFill/>
+            <a:ln>
+              <a:noFill/>
+            </a:ln>
+          </p:spPr>
+        </p:pic>
+        <p:pic>
+          <p:nvPicPr>
+            <p:cNvPr id="104" name="Shape 104"/>
+            <p:cNvPicPr preferRelativeResize="0"/>
+            <p:nvPr/>
+          </p:nvPicPr>
+          <p:blipFill>
+            <a:blip r:embed="rId4">
+              <a:alphaModFix/>
+            </a:blip>
+            <a:stretch>
+              <a:fillRect/>
+            </a:stretch>
+          </p:blipFill>
+          <p:spPr>
+            <a:xfrm>
+              <a:off x="4427674" y="1457374"/>
+              <a:ext cx="4304024" cy="364950"/>
+            </a:xfrm>
+            <a:prstGeom prst="rect">
+              <a:avLst/>
+            </a:prstGeom>
+            <a:noFill/>
+            <a:ln>
+              <a:noFill/>
+            </a:ln>
+          </p:spPr>
+        </p:pic>
+        <p:pic>
+          <p:nvPicPr>
+            <p:cNvPr id="105" name="Shape 105"/>
+            <p:cNvPicPr preferRelativeResize="0"/>
+            <p:nvPr/>
+          </p:nvPicPr>
+          <p:blipFill>
+            <a:blip r:embed="rId5">
+              <a:alphaModFix/>
+            </a:blip>
+            <a:stretch>
+              <a:fillRect/>
+            </a:stretch>
+          </p:blipFill>
+          <p:spPr>
+            <a:xfrm>
+              <a:off x="4619121" y="1979300"/>
+              <a:ext cx="3921124" cy="527725"/>
+            </a:xfrm>
+            <a:prstGeom prst="rect">
+              <a:avLst/>
+            </a:prstGeom>
+            <a:noFill/>
+            <a:ln>
+              <a:noFill/>
+            </a:ln>
+          </p:spPr>
+        </p:pic>
+      </p:grpSp>
+      <p:grpSp>
+        <p:nvGrpSpPr>
+          <p:cNvPr id="106" name="Shape 106"/>
+          <p:cNvGrpSpPr/>
+          <p:nvPr/>
+        </p:nvGrpSpPr>
+        <p:grpSpPr>
+          <a:xfrm>
+            <a:off x="4738750" y="1002113"/>
+            <a:ext cx="3681875" cy="1407050"/>
+            <a:chOff x="4619125" y="2886363"/>
+            <a:chExt cx="3681875" cy="1407050"/>
+          </a:xfrm>
+        </p:grpSpPr>
+        <p:pic>
+          <p:nvPicPr>
+            <p:cNvPr id="107" name="Shape 107"/>
+            <p:cNvPicPr preferRelativeResize="0"/>
+            <p:nvPr/>
+          </p:nvPicPr>
+          <p:blipFill>
+            <a:blip r:embed="rId6">
+              <a:alphaModFix/>
+            </a:blip>
+            <a:stretch>
+              <a:fillRect/>
+            </a:stretch>
+          </p:blipFill>
+          <p:spPr>
+            <a:xfrm>
+              <a:off x="6833875" y="2886363"/>
+              <a:ext cx="1467125" cy="1407050"/>
+            </a:xfrm>
+            <a:prstGeom prst="rect">
+              <a:avLst/>
+            </a:prstGeom>
+            <a:noFill/>
+            <a:ln>
+              <a:noFill/>
+            </a:ln>
+          </p:spPr>
+        </p:pic>
+        <p:pic>
+          <p:nvPicPr>
+            <p:cNvPr id="108" name="Shape 108"/>
+            <p:cNvPicPr preferRelativeResize="0"/>
+            <p:nvPr/>
+          </p:nvPicPr>
+          <p:blipFill>
+            <a:blip r:embed="rId7">
+              <a:alphaModFix/>
+            </a:blip>
+            <a:stretch>
+              <a:fillRect/>
+            </a:stretch>
+          </p:blipFill>
+          <p:spPr>
+            <a:xfrm>
+              <a:off x="4619125" y="3008976"/>
+              <a:ext cx="2049076" cy="1161825"/>
+            </a:xfrm>
+            <a:prstGeom prst="rect">
+              <a:avLst/>
+            </a:prstGeom>
+            <a:noFill/>
+            <a:ln>
+              <a:noFill/>
+            </a:ln>
+          </p:spPr>
+        </p:pic>
+      </p:grpSp>
+    </p:spTree>
+  </p:cSld>
+  <p:clrMapOvr>
+    <a:masterClrMapping/>
+  </p:clrMapOvr>
+</p:sld>
+</file>
+
+<file path=ppt/slides/slide6.xml><?xml version="1.0" encoding="utf-8"?>
+<p:sld xmlns:a="http://schemas.openxmlformats.org/drawingml/2006/main" xmlns:r="http://schemas.openxmlformats.org/officeDocument/2006/relationships" xmlns:mc="http://schemas.openxmlformats.org/markup-compatibility/2006" xmlns:mv="urn:schemas-microsoft-com:mac:vml" xmlns:p="http://schemas.openxmlformats.org/presentationml/2006/main" xmlns:c="http://schemas.openxmlformats.org/drawingml/2006/chart" xmlns:dgm="http://schemas.openxmlformats.org/drawingml/2006/diagram" xmlns:o="urn:schemas-microsoft-com:office:office" xmlns:v="urn:schemas-microsoft-com:vml" xmlns:pvml="urn:schemas-microsoft-com:office:powerpoint" xmlns:com="http://schemas.openxmlformats.org/drawingml/2006/compatibility" xmlns:p14="http://schemas.microsoft.com/office/powerpoint/2010/main" xmlns:p15="http://schemas.microsoft.com/office/powerpoint/2012/main">
+  <p:cSld>
+    <p:spTree>
+      <p:nvGrpSpPr>
+        <p:cNvPr id="112" name="Shape 112"/>
+        <p:cNvGrpSpPr/>
+        <p:nvPr/>
+      </p:nvGrpSpPr>
+      <p:grpSpPr>
+        <a:xfrm>
+          <a:off x="0" y="0"/>
+          <a:ext cx="0" cy="0"/>
+          <a:chOff x="0" y="0"/>
+          <a:chExt cx="0" cy="0"/>
+        </a:xfrm>
+      </p:grpSpPr>
+      <p:sp>
+        <p:nvSpPr>
+          <p:cNvPr id="113" name="Shape 113"/>
           <p:cNvSpPr txBox="1"/>
           <p:nvPr>
             <p:ph type="title"/>
@@ -6338,7 +7028,7 @@
       </p:sp>
       <p:sp>
         <p:nvSpPr>
-          <p:cNvPr id="91" name="Shape 91"/>
+          <p:cNvPr id="114" name="Shape 114"/>
           <p:cNvSpPr txBox="1"/>
           <p:nvPr>
             <p:ph idx="1" type="body"/>
@@ -6403,9 +7093,13 @@
             </a:pPr>
             <a:r>
               <a:rPr lang="en"/>
-              <a:t>Hill-Climb Iteration Block Crack</a:t>
+              <a:t>Hill-Climb Iteration Block Crack - (</a:t>
             </a:r>
-            <a:endParaRPr/>
+            <a:r>
+              <a:rPr i="1" lang="en"/>
+              <a:t>100000)</a:t>
+            </a:r>
+            <a:endParaRPr i="1"/>
           </a:p>
           <a:p>
             <a:pPr indent="0" lvl="0" marL="0">
@@ -6435,9 +7129,13 @@
             </a:pPr>
             <a:r>
               <a:rPr lang="en"/>
-              <a:t>Hill-Climb Iteration Permutation Crack</a:t>
+              <a:t>Hill-Climb Iteration Permutation Crack - (</a:t>
             </a:r>
-            <a:endParaRPr/>
+            <a:r>
+              <a:rPr i="1" lang="en"/>
+              <a:t>100000)</a:t>
+            </a:r>
+            <a:endParaRPr i="1"/>
           </a:p>
           <a:p>
             <a:pPr indent="0" lvl="0" marL="0">
@@ -6456,6 +7154,34 @@
           </a:p>
         </p:txBody>
       </p:sp>
+      <p:pic>
+        <p:nvPicPr>
+          <p:cNvPr id="115" name="Shape 115"/>
+          <p:cNvPicPr preferRelativeResize="0"/>
+          <p:nvPr/>
+        </p:nvPicPr>
+        <p:blipFill>
+          <a:blip r:embed="rId3">
+            <a:alphaModFix/>
+          </a:blip>
+          <a:stretch>
+            <a:fillRect/>
+          </a:stretch>
+        </p:blipFill>
+        <p:spPr>
+          <a:xfrm>
+            <a:off x="6207398" y="959873"/>
+            <a:ext cx="2514450" cy="1493950"/>
+          </a:xfrm>
+          <a:prstGeom prst="rect">
+            <a:avLst/>
+          </a:prstGeom>
+          <a:noFill/>
+          <a:ln>
+            <a:noFill/>
+          </a:ln>
+        </p:spPr>
+      </p:pic>
     </p:spTree>
   </p:cSld>
   <p:clrMapOvr>
